--- a/explore/novel/metaReport/MEMNotes.pptx
+++ b/explore/novel/metaReport/MEMNotes.pptx
@@ -3480,7 +3480,7 @@
         <p:spPr>
           <a:xfrm>
             <a:off x="609600" y="2570133"/>
-            <a:ext cx="1578429" cy="2862322"/>
+            <a:ext cx="1578429" cy="3970318"/>
           </a:xfrm>
           <a:prstGeom prst="rect">
             <a:avLst/>
@@ -3494,9 +3494,10 @@
           <a:lstStyle/>
           <a:p>
             <a:r>
-              <a:rPr lang="en-US" dirty="0"/>
-              <a:t>MAG is feature magnitude (here, median protein expression detected by mass or fluorescence flow cytometry)</a:t>
-            </a:r>
+              <a:rPr lang="en-US"/>
+              <a:t>MAG is feature magnitude (here, median protein expression detected by mass or fluorescence flow cytometry), and IQR indicates the interquartile range. </a:t>
+            </a:r>
+            <a:endParaRPr lang="en-US" dirty="0"/>
           </a:p>
         </p:txBody>
       </p:sp>
@@ -3614,12 +3615,12 @@
               <a:t>	- for each </a:t>
             </a:r>
             <a:r>
-              <a:rPr lang="en-US"/>
-              <a:t>phenograph </a:t>
+              <a:rPr lang="en-US" dirty="0" err="1"/>
+              <a:t>phenograph</a:t>
             </a:r>
             <a:r>
               <a:rPr lang="en-US" dirty="0"/>
-              <a:t>cluster</a:t>
+              <a:t> cluster</a:t>
             </a:r>
           </a:p>
         </p:txBody>
